--- a/Daily Agendas/Day4.5_SerialMonitor2_Sep29.pptx
+++ b/Daily Agendas/Day4.5_SerialMonitor2_Sep29.pptx
@@ -6,7 +6,6 @@
   </p:sldMasterIdLst>
   <p:sldIdLst>
     <p:sldId id="256" r:id="rId2"/>
-    <p:sldId id="257" r:id="rId3"/>
   </p:sldIdLst>
   <p:sldSz cx="9144000" cy="6858000" type="screen4x3"/>
   <p:notesSz cx="6858000" cy="9144000"/>
@@ -124,6 +123,10 @@
 </p:presentation>
 </file>
 
+<file path=ppt/revisionInfo.xml><?xml version="1.0" encoding="utf-8"?>
+<p1510:revInfo xmlns:a="http://schemas.openxmlformats.org/drawingml/2006/main" xmlns:r="http://schemas.openxmlformats.org/officeDocument/2006/relationships" xmlns:p1510="http://schemas.microsoft.com/office/powerpoint/2015/10/main"/>
+</file>
+
 <file path=ppt/slideLayouts/slideLayout1.xml><?xml version="1.0" encoding="utf-8"?>
 <p:sldLayout xmlns:a="http://schemas.openxmlformats.org/drawingml/2006/main" xmlns:r="http://schemas.openxmlformats.org/officeDocument/2006/relationships" xmlns:p="http://schemas.openxmlformats.org/presentationml/2006/main" type="title" preserve="1">
   <p:cSld name="Title Slide">
@@ -304,7 +307,7 @@
             <a:fld id="{1D8BD707-D9CF-40AE-B4C6-C98DA3205C09}" type="datetimeFigureOut">
               <a:rPr lang="en-US" smtClean="0"/>
               <a:pPr/>
-              <a:t>9/29/2017</a:t>
+              <a:t>10/1/2017</a:t>
             </a:fld>
             <a:endParaRPr lang="en-US"/>
           </a:p>
@@ -469,7 +472,7 @@
             <a:fld id="{1D8BD707-D9CF-40AE-B4C6-C98DA3205C09}" type="datetimeFigureOut">
               <a:rPr lang="en-US" smtClean="0"/>
               <a:pPr/>
-              <a:t>9/29/2017</a:t>
+              <a:t>10/1/2017</a:t>
             </a:fld>
             <a:endParaRPr lang="en-US"/>
           </a:p>
@@ -644,7 +647,7 @@
             <a:fld id="{1D8BD707-D9CF-40AE-B4C6-C98DA3205C09}" type="datetimeFigureOut">
               <a:rPr lang="en-US" smtClean="0"/>
               <a:pPr/>
-              <a:t>9/29/2017</a:t>
+              <a:t>10/1/2017</a:t>
             </a:fld>
             <a:endParaRPr lang="en-US"/>
           </a:p>
@@ -809,7 +812,7 @@
             <a:fld id="{1D8BD707-D9CF-40AE-B4C6-C98DA3205C09}" type="datetimeFigureOut">
               <a:rPr lang="en-US" smtClean="0"/>
               <a:pPr/>
-              <a:t>9/29/2017</a:t>
+              <a:t>10/1/2017</a:t>
             </a:fld>
             <a:endParaRPr lang="en-US"/>
           </a:p>
@@ -1051,7 +1054,7 @@
             <a:fld id="{1D8BD707-D9CF-40AE-B4C6-C98DA3205C09}" type="datetimeFigureOut">
               <a:rPr lang="en-US" smtClean="0"/>
               <a:pPr/>
-              <a:t>9/29/2017</a:t>
+              <a:t>10/1/2017</a:t>
             </a:fld>
             <a:endParaRPr lang="en-US"/>
           </a:p>
@@ -1333,7 +1336,7 @@
             <a:fld id="{1D8BD707-D9CF-40AE-B4C6-C98DA3205C09}" type="datetimeFigureOut">
               <a:rPr lang="en-US" smtClean="0"/>
               <a:pPr/>
-              <a:t>9/29/2017</a:t>
+              <a:t>10/1/2017</a:t>
             </a:fld>
             <a:endParaRPr lang="en-US"/>
           </a:p>
@@ -1749,7 +1752,7 @@
             <a:fld id="{1D8BD707-D9CF-40AE-B4C6-C98DA3205C09}" type="datetimeFigureOut">
               <a:rPr lang="en-US" smtClean="0"/>
               <a:pPr/>
-              <a:t>9/29/2017</a:t>
+              <a:t>10/1/2017</a:t>
             </a:fld>
             <a:endParaRPr lang="en-US"/>
           </a:p>
@@ -1863,7 +1866,7 @@
             <a:fld id="{1D8BD707-D9CF-40AE-B4C6-C98DA3205C09}" type="datetimeFigureOut">
               <a:rPr lang="en-US" smtClean="0"/>
               <a:pPr/>
-              <a:t>9/29/2017</a:t>
+              <a:t>10/1/2017</a:t>
             </a:fld>
             <a:endParaRPr lang="en-US"/>
           </a:p>
@@ -1955,7 +1958,7 @@
             <a:fld id="{1D8BD707-D9CF-40AE-B4C6-C98DA3205C09}" type="datetimeFigureOut">
               <a:rPr lang="en-US" smtClean="0"/>
               <a:pPr/>
-              <a:t>9/29/2017</a:t>
+              <a:t>10/1/2017</a:t>
             </a:fld>
             <a:endParaRPr lang="en-US"/>
           </a:p>
@@ -2227,7 +2230,7 @@
             <a:fld id="{1D8BD707-D9CF-40AE-B4C6-C98DA3205C09}" type="datetimeFigureOut">
               <a:rPr lang="en-US" smtClean="0"/>
               <a:pPr/>
-              <a:t>9/29/2017</a:t>
+              <a:t>10/1/2017</a:t>
             </a:fld>
             <a:endParaRPr lang="en-US"/>
           </a:p>
@@ -2476,7 +2479,7 @@
             <a:fld id="{1D8BD707-D9CF-40AE-B4C6-C98DA3205C09}" type="datetimeFigureOut">
               <a:rPr lang="en-US" smtClean="0"/>
               <a:pPr/>
-              <a:t>9/29/2017</a:t>
+              <a:t>10/1/2017</a:t>
             </a:fld>
             <a:endParaRPr lang="en-US"/>
           </a:p>
@@ -2684,7 +2687,7 @@
             <a:fld id="{1D8BD707-D9CF-40AE-B4C6-C98DA3205C09}" type="datetimeFigureOut">
               <a:rPr lang="en-US" smtClean="0"/>
               <a:pPr/>
-              <a:t>9/29/2017</a:t>
+              <a:t>10/1/2017</a:t>
             </a:fld>
             <a:endParaRPr lang="en-US"/>
           </a:p>
@@ -3067,26 +3070,15 @@
         </p:nvSpPr>
         <p:spPr/>
         <p:txBody>
-          <a:bodyPr/>
-          <a:lstStyle/>
-          <a:p>
-            <a:r>
-              <a:rPr lang="en-US" dirty="0" smtClean="0"/>
-              <a:t>Arduino Serial </a:t>
-            </a:r>
-            <a:r>
-              <a:rPr lang="en-US" dirty="0" smtClean="0"/>
-              <a:t>Monitor 2  </a:t>
-            </a:r>
+          <a:bodyPr>
+            <a:normAutofit fontScale="90000"/>
+          </a:bodyPr>
+          <a:lstStyle/>
+          <a:p>
             <a:r>
               <a:rPr lang="en-US" dirty="0"/>
-              <a:t>– Sep </a:t>
-            </a:r>
-            <a:r>
-              <a:rPr lang="en-US" dirty="0" smtClean="0"/>
-              <a:t>29</a:t>
-            </a:r>
-            <a:endParaRPr lang="en-US" dirty="0"/>
+              <a:t>Basic Programming Concepts – Oct 02</a:t>
+            </a:r>
           </a:p>
         </p:txBody>
       </p:sp>
@@ -3103,7 +3095,7 @@
         <p:spPr/>
         <p:txBody>
           <a:bodyPr>
-            <a:normAutofit fontScale="92500" lnSpcReduction="20000"/>
+            <a:normAutofit lnSpcReduction="10000"/>
           </a:bodyPr>
           <a:lstStyle/>
           <a:p>
@@ -3116,46 +3108,34 @@
             <a:pPr lvl="1"/>
             <a:r>
               <a:rPr lang="en-US" dirty="0"/>
+              <a:t>Tutorial: Basic Programming Concepts</a:t>
+            </a:r>
+          </a:p>
+          <a:p>
+            <a:pPr lvl="2"/>
+            <a:r>
+              <a:rPr lang="en-US" dirty="0"/>
+              <a:t>Create your own note</a:t>
+            </a:r>
+          </a:p>
+          <a:p>
+            <a:pPr lvl="1"/>
+            <a:r>
+              <a:rPr lang="en-US" dirty="0"/>
               <a:t>Module B.3 Serial Monitor </a:t>
             </a:r>
-            <a:endParaRPr lang="en-US" dirty="0" smtClean="0"/>
           </a:p>
           <a:p>
             <a:pPr lvl="2"/>
             <a:r>
-              <a:rPr lang="en-CA" dirty="0" smtClean="0"/>
+              <a:rPr lang="en-CA" dirty="0"/>
               <a:t>Complete Level 3 Today</a:t>
             </a:r>
-            <a:endParaRPr lang="en-CA" dirty="0" smtClean="0"/>
-          </a:p>
-          <a:p>
-            <a:pPr lvl="2"/>
-            <a:endParaRPr lang="en-US" dirty="0"/>
-          </a:p>
-          <a:p>
-            <a:pPr lvl="1"/>
-            <a:r>
-              <a:rPr lang="en-US" dirty="0" smtClean="0"/>
-              <a:t>Module </a:t>
-            </a:r>
-            <a:r>
-              <a:rPr lang="en-US" dirty="0"/>
-              <a:t>B.2 More Arduino Projects</a:t>
-            </a:r>
-          </a:p>
-          <a:p>
-            <a:pPr lvl="2"/>
-            <a:r>
-              <a:rPr lang="en-CA" dirty="0" smtClean="0"/>
-              <a:t>Put aside for now</a:t>
-            </a:r>
-          </a:p>
-          <a:p>
-            <a:pPr lvl="2"/>
-            <a:r>
-              <a:rPr lang="en-CA" dirty="0" smtClean="0"/>
-              <a:t>Upload what you have so far</a:t>
-            </a:r>
+          </a:p>
+          <a:p>
+            <a:pPr marL="457200" lvl="1" indent="0">
+              <a:buNone/>
+            </a:pPr>
             <a:endParaRPr lang="en-US" dirty="0"/>
           </a:p>
           <a:p>
@@ -3163,10 +3143,6 @@
             <a:endParaRPr lang="en-US" dirty="0"/>
           </a:p>
           <a:p>
-            <a:pPr lvl="1"/>
-            <a:endParaRPr lang="en-US" dirty="0"/>
-          </a:p>
-          <a:p>
             <a:r>
               <a:rPr lang="en-US" dirty="0"/>
               <a:t>Upcoming</a:t>
@@ -3175,108 +3151,14 @@
           <a:p>
             <a:pPr lvl="1"/>
             <a:r>
-              <a:rPr lang="en-US" sz="2400" dirty="0" smtClean="0"/>
-              <a:t>Tomorrow: Continue Module B.3 Serial Monitor</a:t>
+              <a:rPr lang="en-US" sz="2400" dirty="0" err="1"/>
+              <a:t>T.b.d</a:t>
             </a:r>
             <a:endParaRPr lang="en-US" sz="2400" dirty="0"/>
           </a:p>
         </p:txBody>
       </p:sp>
     </p:spTree>
-  </p:cSld>
-  <p:clrMapOvr>
-    <a:masterClrMapping/>
-  </p:clrMapOvr>
-  <p:timing>
-    <p:tnLst>
-      <p:par>
-        <p:cTn id="1" dur="indefinite" restart="never" nodeType="tmRoot"/>
-      </p:par>
-    </p:tnLst>
-  </p:timing>
-</p:sld>
-</file>
-
-<file path=ppt/slides/slide2.xml><?xml version="1.0" encoding="utf-8"?>
-<p:sld xmlns:a="http://schemas.openxmlformats.org/drawingml/2006/main" xmlns:r="http://schemas.openxmlformats.org/officeDocument/2006/relationships" xmlns:p="http://schemas.openxmlformats.org/presentationml/2006/main">
-  <p:cSld>
-    <p:spTree>
-      <p:nvGrpSpPr>
-        <p:cNvPr id="1" name=""/>
-        <p:cNvGrpSpPr/>
-        <p:nvPr/>
-      </p:nvGrpSpPr>
-      <p:grpSpPr>
-        <a:xfrm>
-          <a:off x="0" y="0"/>
-          <a:ext cx="0" cy="0"/>
-          <a:chOff x="0" y="0"/>
-          <a:chExt cx="0" cy="0"/>
-        </a:xfrm>
-      </p:grpSpPr>
-      <p:sp>
-        <p:nvSpPr>
-          <p:cNvPr id="2" name="Title 1"/>
-          <p:cNvSpPr>
-            <a:spLocks noGrp="1"/>
-          </p:cNvSpPr>
-          <p:nvPr>
-            <p:ph type="title"/>
-          </p:nvPr>
-        </p:nvSpPr>
-        <p:spPr/>
-        <p:txBody>
-          <a:bodyPr/>
-          <a:lstStyle/>
-          <a:p>
-            <a:r>
-              <a:rPr lang="en-CA" dirty="0" smtClean="0"/>
-              <a:t>Resources</a:t>
-            </a:r>
-            <a:endParaRPr lang="en-US" dirty="0"/>
-          </a:p>
-        </p:txBody>
-      </p:sp>
-      <p:sp>
-        <p:nvSpPr>
-          <p:cNvPr id="3" name="Content Placeholder 2"/>
-          <p:cNvSpPr>
-            <a:spLocks noGrp="1"/>
-          </p:cNvSpPr>
-          <p:nvPr>
-            <p:ph idx="1"/>
-          </p:nvPr>
-        </p:nvSpPr>
-        <p:spPr/>
-        <p:txBody>
-          <a:bodyPr/>
-          <a:lstStyle/>
-          <a:p>
-            <a:r>
-              <a:rPr lang="en-US" dirty="0">
-                <a:hlinkClick r:id="rId2"/>
-              </a:rPr>
-              <a:t>http://www.toptechboy.com/arduino/lesson-12-simple-and-easy-way-to-read-strings-ints-and-floats-over-arduino-serial-port</a:t>
-            </a:r>
-            <a:r>
-              <a:rPr lang="en-US" dirty="0" smtClean="0">
-                <a:hlinkClick r:id="rId2"/>
-              </a:rPr>
-              <a:t>/</a:t>
-            </a:r>
-            <a:endParaRPr lang="en-US" dirty="0" smtClean="0"/>
-          </a:p>
-          <a:p>
-            <a:endParaRPr lang="en-US" dirty="0"/>
-          </a:p>
-        </p:txBody>
-      </p:sp>
-    </p:spTree>
-    <p:extLst>
-      <p:ext uri="{BB962C8B-B14F-4D97-AF65-F5344CB8AC3E}">
-        <p14:creationId xmlns:p14="http://schemas.microsoft.com/office/powerpoint/2010/main" val="3755407329"/>
-      </p:ext>
-    </p:extLst>
   </p:cSld>
   <p:clrMapOvr>
     <a:masterClrMapping/>
